--- a/Meet Our Team - Org Chart.pptx
+++ b/Meet Our Team - Org Chart.pptx
@@ -5,11 +5,12 @@
     <p:sldMasterId id="2147483661" r:id="rId1"/>
   </p:sldMasterIdLst>
   <p:notesMasterIdLst>
-    <p:notesMasterId r:id="rId4"/>
+    <p:notesMasterId r:id="rId5"/>
   </p:notesMasterIdLst>
   <p:sldIdLst>
     <p:sldId id="257" r:id="rId2"/>
     <p:sldId id="259" r:id="rId3"/>
+    <p:sldId id="260" r:id="rId4"/>
   </p:sldIdLst>
   <p:sldSz cx="9906000" cy="6858000" type="A4"/>
   <p:notesSz cx="6858000" cy="9144000"/>
@@ -771,6 +772,90 @@
     <p:extLst>
       <p:ext uri="{BB962C8B-B14F-4D97-AF65-F5344CB8AC3E}">
         <p14:creationId xmlns:p14="http://schemas.microsoft.com/office/powerpoint/2010/main" val="3019482178"/>
+      </p:ext>
+    </p:extLst>
+  </p:cSld>
+  <p:clrMapOvr>
+    <a:masterClrMapping/>
+  </p:clrMapOvr>
+</p:notes>
+</file>
+
+<file path=ppt/notesSlides/notesSlide3.xml><?xml version="1.0" encoding="utf-8"?>
+<p:notes xmlns:a="http://schemas.openxmlformats.org/drawingml/2006/main" xmlns:r="http://schemas.openxmlformats.org/officeDocument/2006/relationships" xmlns:p="http://schemas.openxmlformats.org/presentationml/2006/main">
+  <p:cSld>
+    <p:spTree>
+      <p:nvGrpSpPr>
+        <p:cNvPr id="1" name=""/>
+        <p:cNvGrpSpPr/>
+        <p:nvPr/>
+      </p:nvGrpSpPr>
+      <p:grpSpPr>
+        <a:xfrm>
+          <a:off x="0" y="0"/>
+          <a:ext cx="0" cy="0"/>
+          <a:chOff x="0" y="0"/>
+          <a:chExt cx="0" cy="0"/>
+        </a:xfrm>
+      </p:grpSpPr>
+      <p:sp>
+        <p:nvSpPr>
+          <p:cNvPr id="2" name="Slide Image Placeholder 1"/>
+          <p:cNvSpPr>
+            <a:spLocks noGrp="1" noRot="1" noChangeAspect="1"/>
+          </p:cNvSpPr>
+          <p:nvPr>
+            <p:ph type="sldImg"/>
+          </p:nvPr>
+        </p:nvSpPr>
+        <p:spPr/>
+      </p:sp>
+      <p:sp>
+        <p:nvSpPr>
+          <p:cNvPr id="3" name="Notes Placeholder 2"/>
+          <p:cNvSpPr>
+            <a:spLocks noGrp="1"/>
+          </p:cNvSpPr>
+          <p:nvPr>
+            <p:ph type="body" idx="1"/>
+          </p:nvPr>
+        </p:nvSpPr>
+        <p:spPr/>
+        <p:txBody>
+          <a:bodyPr/>
+          <a:lstStyle/>
+          <a:p>
+            <a:endParaRPr lang="en-US" dirty="0"/>
+          </a:p>
+        </p:txBody>
+      </p:sp>
+      <p:sp>
+        <p:nvSpPr>
+          <p:cNvPr id="4" name="Slide Number Placeholder 3"/>
+          <p:cNvSpPr>
+            <a:spLocks noGrp="1"/>
+          </p:cNvSpPr>
+          <p:nvPr>
+            <p:ph type="sldNum" sz="quarter" idx="10"/>
+          </p:nvPr>
+        </p:nvSpPr>
+        <p:spPr/>
+        <p:txBody>
+          <a:bodyPr/>
+          <a:lstStyle/>
+          <a:p>
+            <a:fld id="{F4879AB3-0DDF-421F-80B9-1890A9AD9C4C}" type="slidenum">
+              <a:rPr lang="en-AU" smtClean="0"/>
+              <a:t>3</a:t>
+            </a:fld>
+            <a:endParaRPr lang="en-AU"/>
+          </a:p>
+        </p:txBody>
+      </p:sp>
+    </p:spTree>
+    <p:extLst>
+      <p:ext uri="{BB962C8B-B14F-4D97-AF65-F5344CB8AC3E}">
+        <p14:creationId xmlns:p14="http://schemas.microsoft.com/office/powerpoint/2010/main" val="2777750142"/>
       </p:ext>
     </p:extLst>
   </p:cSld>
@@ -3222,6 +3307,724 @@
 </p:sldLayout>
 </file>
 
+<file path=ppt/slideLayouts/slideLayout13.xml><?xml version="1.0" encoding="utf-8"?>
+<p:sldLayout xmlns:a="http://schemas.openxmlformats.org/drawingml/2006/main" xmlns:r="http://schemas.openxmlformats.org/officeDocument/2006/relationships" xmlns:p="http://schemas.openxmlformats.org/presentationml/2006/main" preserve="1" userDrawn="1">
+  <p:cSld name="1_TEAM MEMBER TYPE 1">
+    <p:spTree>
+      <p:nvGrpSpPr>
+        <p:cNvPr id="1" name=""/>
+        <p:cNvGrpSpPr/>
+        <p:nvPr/>
+      </p:nvGrpSpPr>
+      <p:grpSpPr>
+        <a:xfrm>
+          <a:off x="0" y="0"/>
+          <a:ext cx="0" cy="0"/>
+          <a:chOff x="0" y="0"/>
+          <a:chExt cx="0" cy="0"/>
+        </a:xfrm>
+      </p:grpSpPr>
+      <p:sp>
+        <p:nvSpPr>
+          <p:cNvPr id="20" name="Rounded Rectangle 19"/>
+          <p:cNvSpPr/>
+          <p:nvPr userDrawn="1"/>
+        </p:nvSpPr>
+        <p:spPr>
+          <a:xfrm>
+            <a:off x="406480" y="1466935"/>
+            <a:ext cx="4546520" cy="2556425"/>
+          </a:xfrm>
+          <a:prstGeom prst="roundRect">
+            <a:avLst>
+              <a:gd name="adj" fmla="val 1585"/>
+            </a:avLst>
+          </a:prstGeom>
+          <a:solidFill>
+            <a:schemeClr val="bg1"/>
+          </a:solidFill>
+          <a:ln w="6350">
+            <a:solidFill>
+              <a:schemeClr val="bg1">
+                <a:lumMod val="85000"/>
+              </a:schemeClr>
+            </a:solidFill>
+          </a:ln>
+        </p:spPr>
+        <p:style>
+          <a:lnRef idx="2">
+            <a:schemeClr val="dk1"/>
+          </a:lnRef>
+          <a:fillRef idx="1">
+            <a:schemeClr val="lt1"/>
+          </a:fillRef>
+          <a:effectRef idx="0">
+            <a:schemeClr val="dk1"/>
+          </a:effectRef>
+          <a:fontRef idx="minor">
+            <a:schemeClr val="dk1"/>
+          </a:fontRef>
+        </p:style>
+        <p:txBody>
+          <a:bodyPr lIns="95088" tIns="47544" rIns="95088" bIns="47544" rtlCol="0" anchor="ctr"/>
+          <a:lstStyle/>
+          <a:p>
+            <a:pPr algn="ctr" defTabSz="534818"/>
+            <a:endParaRPr lang="en-US" sz="2800" dirty="0">
+              <a:solidFill>
+                <a:srgbClr val="FFFFFF"/>
+              </a:solidFill>
+              <a:latin typeface="Lato" panose="020F0502020204030203" pitchFamily="34" charset="0"/>
+            </a:endParaRPr>
+          </a:p>
+        </p:txBody>
+      </p:sp>
+      <p:sp>
+        <p:nvSpPr>
+          <p:cNvPr id="28" name="Text Placeholder 27"/>
+          <p:cNvSpPr>
+            <a:spLocks noGrp="1"/>
+          </p:cNvSpPr>
+          <p:nvPr>
+            <p:ph type="body" sz="quarter" idx="11" hasCustomPrompt="1"/>
+          </p:nvPr>
+        </p:nvSpPr>
+        <p:spPr>
+          <a:xfrm>
+            <a:off x="406480" y="2915630"/>
+            <a:ext cx="4546520" cy="176921"/>
+          </a:xfrm>
+          <a:prstGeom prst="rect">
+            <a:avLst/>
+          </a:prstGeom>
+        </p:spPr>
+        <p:txBody>
+          <a:bodyPr vert="horz"/>
+          <a:lstStyle>
+            <a:lvl1pPr marL="0" indent="0" algn="ctr">
+              <a:buNone/>
+              <a:defRPr sz="900" baseline="0">
+                <a:solidFill>
+                  <a:schemeClr val="tx2"/>
+                </a:solidFill>
+                <a:latin typeface="Lato Regular" panose="020F0502020204030203" pitchFamily="34" charset="0"/>
+                <a:ea typeface="Lato Regular" panose="020F0502020204030203" pitchFamily="34" charset="0"/>
+                <a:cs typeface="Lato Regular" panose="020F0502020204030203" pitchFamily="34" charset="0"/>
+              </a:defRPr>
+            </a:lvl1pPr>
+          </a:lstStyle>
+          <a:p>
+            <a:pPr lvl="0"/>
+            <a:r>
+              <a:rPr lang="en-US" dirty="0"/>
+              <a:t>Name 1</a:t>
+            </a:r>
+          </a:p>
+        </p:txBody>
+      </p:sp>
+      <p:sp>
+        <p:nvSpPr>
+          <p:cNvPr id="29" name="Text Placeholder 27"/>
+          <p:cNvSpPr>
+            <a:spLocks noGrp="1"/>
+          </p:cNvSpPr>
+          <p:nvPr>
+            <p:ph type="body" sz="quarter" idx="12" hasCustomPrompt="1"/>
+          </p:nvPr>
+        </p:nvSpPr>
+        <p:spPr>
+          <a:xfrm>
+            <a:off x="406480" y="3125690"/>
+            <a:ext cx="4546520" cy="152467"/>
+          </a:xfrm>
+          <a:prstGeom prst="rect">
+            <a:avLst/>
+          </a:prstGeom>
+        </p:spPr>
+        <p:txBody>
+          <a:bodyPr vert="horz">
+            <a:noAutofit/>
+          </a:bodyPr>
+          <a:lstStyle>
+            <a:lvl1pPr marL="0" indent="0" algn="ctr" defTabSz="534818" rtl="0" eaLnBrk="1" latinLnBrk="0" hangingPunct="1">
+              <a:lnSpc>
+                <a:spcPct val="90000"/>
+              </a:lnSpc>
+              <a:spcBef>
+                <a:spcPts val="585"/>
+              </a:spcBef>
+              <a:buFont typeface="Arial" panose="020B0604020202020204" pitchFamily="34" charset="0"/>
+              <a:buNone/>
+              <a:defRPr lang="ko-KR" altLang="en-US" sz="600" b="1" kern="1200" dirty="0">
+                <a:solidFill>
+                  <a:schemeClr val="tx2"/>
+                </a:solidFill>
+                <a:latin typeface="Lato" panose="020F0502020204030203" pitchFamily="34" charset="0"/>
+                <a:ea typeface="Lato" panose="020F0502020204030203" pitchFamily="34" charset="0"/>
+                <a:cs typeface="Lato" panose="020F0502020204030203" pitchFamily="34" charset="0"/>
+              </a:defRPr>
+            </a:lvl1pPr>
+          </a:lstStyle>
+          <a:p>
+            <a:pPr lvl="0"/>
+            <a:r>
+              <a:rPr lang="en-US" altLang="ko-KR" dirty="0"/>
+              <a:t>Responsibility 1</a:t>
+            </a:r>
+            <a:endParaRPr lang="ko-KR" altLang="en-US" dirty="0"/>
+          </a:p>
+        </p:txBody>
+      </p:sp>
+      <p:sp>
+        <p:nvSpPr>
+          <p:cNvPr id="3" name="Picture Placeholder 2"/>
+          <p:cNvSpPr>
+            <a:spLocks noGrp="1"/>
+          </p:cNvSpPr>
+          <p:nvPr>
+            <p:ph type="pic" sz="quarter" idx="27"/>
+          </p:nvPr>
+        </p:nvSpPr>
+        <p:spPr>
+          <a:xfrm>
+            <a:off x="478647" y="1559029"/>
+            <a:ext cx="3956672" cy="1275612"/>
+          </a:xfrm>
+          <a:prstGeom prst="rect">
+            <a:avLst/>
+          </a:prstGeom>
+        </p:spPr>
+        <p:txBody>
+          <a:bodyPr anchor="ctr"/>
+          <a:lstStyle>
+            <a:lvl1pPr marL="0" indent="0" algn="ctr">
+              <a:lnSpc>
+                <a:spcPct val="100000"/>
+              </a:lnSpc>
+              <a:buNone/>
+              <a:defRPr sz="700">
+                <a:solidFill>
+                  <a:schemeClr val="bg2"/>
+                </a:solidFill>
+                <a:latin typeface="Lato Regular" panose="020F0502020204030203" pitchFamily="34" charset="0"/>
+                <a:ea typeface="Lato Regular" panose="020F0502020204030203" pitchFamily="34" charset="0"/>
+              </a:defRPr>
+            </a:lvl1pPr>
+          </a:lstStyle>
+          <a:p>
+            <a:endParaRPr lang="en-US" dirty="0"/>
+          </a:p>
+        </p:txBody>
+      </p:sp>
+      <p:sp>
+        <p:nvSpPr>
+          <p:cNvPr id="38" name="Title 1"/>
+          <p:cNvSpPr>
+            <a:spLocks noGrp="1"/>
+          </p:cNvSpPr>
+          <p:nvPr>
+            <p:ph type="title"/>
+          </p:nvPr>
+        </p:nvSpPr>
+        <p:spPr>
+          <a:xfrm>
+            <a:off x="395533" y="701317"/>
+            <a:ext cx="6750675" cy="396235"/>
+          </a:xfrm>
+          <a:prstGeom prst="rect">
+            <a:avLst/>
+          </a:prstGeom>
+        </p:spPr>
+        <p:txBody>
+          <a:bodyPr anchor="ctr">
+            <a:noAutofit/>
+          </a:bodyPr>
+          <a:lstStyle>
+            <a:lvl1pPr algn="l" defTabSz="401113" rtl="0" eaLnBrk="1" latinLnBrk="0" hangingPunct="1">
+              <a:lnSpc>
+                <a:spcPct val="90000"/>
+              </a:lnSpc>
+              <a:spcBef>
+                <a:spcPct val="0"/>
+              </a:spcBef>
+              <a:buNone/>
+              <a:defRPr lang="en-US" sz="2100" b="1" kern="1200" dirty="0">
+                <a:solidFill>
+                  <a:schemeClr val="tx2"/>
+                </a:solidFill>
+                <a:latin typeface="Lato Regular" panose="020F0502020204030203" pitchFamily="34" charset="0"/>
+                <a:ea typeface="Lato Regular" panose="020F0502020204030203" pitchFamily="34" charset="0"/>
+                <a:cs typeface="Lato Regular" panose="020F0502020204030203" pitchFamily="34" charset="0"/>
+              </a:defRPr>
+            </a:lvl1pPr>
+          </a:lstStyle>
+          <a:p>
+            <a:r>
+              <a:rPr lang="en-US" dirty="0"/>
+              <a:t>Click to edit Master title style</a:t>
+            </a:r>
+          </a:p>
+        </p:txBody>
+      </p:sp>
+      <p:sp>
+        <p:nvSpPr>
+          <p:cNvPr id="39" name="Text Placeholder 6"/>
+          <p:cNvSpPr>
+            <a:spLocks noGrp="1"/>
+          </p:cNvSpPr>
+          <p:nvPr>
+            <p:ph type="body" sz="quarter" idx="10" hasCustomPrompt="1"/>
+          </p:nvPr>
+        </p:nvSpPr>
+        <p:spPr>
+          <a:xfrm>
+            <a:off x="406896" y="1124003"/>
+            <a:ext cx="6777208" cy="228597"/>
+          </a:xfrm>
+          <a:prstGeom prst="rect">
+            <a:avLst/>
+          </a:prstGeom>
+        </p:spPr>
+        <p:txBody>
+          <a:bodyPr anchor="ctr">
+            <a:noAutofit/>
+          </a:bodyPr>
+          <a:lstStyle>
+            <a:lvl1pPr marL="0" indent="0" algn="l" defTabSz="534818" rtl="0" eaLnBrk="1" latinLnBrk="0" hangingPunct="1">
+              <a:lnSpc>
+                <a:spcPct val="90000"/>
+              </a:lnSpc>
+              <a:spcBef>
+                <a:spcPts val="585"/>
+              </a:spcBef>
+              <a:buFont typeface="Arial" panose="020B0604020202020204" pitchFamily="34" charset="0"/>
+              <a:buNone/>
+              <a:defRPr lang="en-US" sz="1100" kern="1200" dirty="0">
+                <a:solidFill>
+                  <a:schemeClr val="tx2">
+                    <a:lumMod val="75000"/>
+                  </a:schemeClr>
+                </a:solidFill>
+                <a:latin typeface="Lato Light" panose="020F0502020204030203" pitchFamily="34" charset="0"/>
+                <a:ea typeface="Lato Light" panose="020F0502020204030203" pitchFamily="34" charset="0"/>
+                <a:cs typeface="Lato Light" panose="020F0502020204030203" pitchFamily="34" charset="0"/>
+              </a:defRPr>
+            </a:lvl1pPr>
+            <a:lvl2pPr>
+              <a:defRPr>
+                <a:solidFill>
+                  <a:schemeClr val="bg1">
+                    <a:lumMod val="50000"/>
+                  </a:schemeClr>
+                </a:solidFill>
+              </a:defRPr>
+            </a:lvl2pPr>
+            <a:lvl3pPr>
+              <a:defRPr>
+                <a:solidFill>
+                  <a:schemeClr val="bg1">
+                    <a:lumMod val="50000"/>
+                  </a:schemeClr>
+                </a:solidFill>
+              </a:defRPr>
+            </a:lvl3pPr>
+            <a:lvl4pPr>
+              <a:defRPr>
+                <a:solidFill>
+                  <a:schemeClr val="bg1">
+                    <a:lumMod val="50000"/>
+                  </a:schemeClr>
+                </a:solidFill>
+              </a:defRPr>
+            </a:lvl4pPr>
+            <a:lvl5pPr marL="802226" indent="0" algn="l">
+              <a:buNone/>
+              <a:defRPr>
+                <a:solidFill>
+                  <a:schemeClr val="bg1">
+                    <a:lumMod val="50000"/>
+                  </a:schemeClr>
+                </a:solidFill>
+              </a:defRPr>
+            </a:lvl5pPr>
+            <a:lvl6pPr marL="1002784" indent="0">
+              <a:buNone/>
+              <a:defRPr/>
+            </a:lvl6pPr>
+            <a:lvl7pPr marL="1203340" indent="0">
+              <a:buNone/>
+              <a:defRPr/>
+            </a:lvl7pPr>
+            <a:lvl8pPr marL="1403897" indent="0">
+              <a:buNone/>
+              <a:defRPr/>
+            </a:lvl8pPr>
+            <a:lvl9pPr marL="1604454" indent="0">
+              <a:buNone/>
+              <a:defRPr/>
+            </a:lvl9pPr>
+          </a:lstStyle>
+          <a:p>
+            <a:pPr marL="0" lvl="0" indent="0" algn="l" defTabSz="401113" rtl="0" eaLnBrk="1" latinLnBrk="0" hangingPunct="1">
+              <a:lnSpc>
+                <a:spcPct val="70000"/>
+              </a:lnSpc>
+              <a:spcBef>
+                <a:spcPts val="439"/>
+              </a:spcBef>
+              <a:buFont typeface="Arial" panose="020B0604020202020204" pitchFamily="34" charset="0"/>
+              <a:buNone/>
+            </a:pPr>
+            <a:r>
+              <a:rPr lang="en-US" dirty="0"/>
+              <a:t>Click to edit Master text styles level</a:t>
+            </a:r>
+          </a:p>
+        </p:txBody>
+      </p:sp>
+      <p:sp>
+        <p:nvSpPr>
+          <p:cNvPr id="40" name="Text Placeholder 6"/>
+          <p:cNvSpPr>
+            <a:spLocks noGrp="1"/>
+          </p:cNvSpPr>
+          <p:nvPr>
+            <p:ph type="body" sz="quarter" idx="40" hasCustomPrompt="1"/>
+          </p:nvPr>
+        </p:nvSpPr>
+        <p:spPr>
+          <a:xfrm>
+            <a:off x="395533" y="427705"/>
+            <a:ext cx="6750675" cy="249052"/>
+          </a:xfrm>
+          <a:prstGeom prst="rect">
+            <a:avLst/>
+          </a:prstGeom>
+        </p:spPr>
+        <p:txBody>
+          <a:bodyPr anchor="ctr">
+            <a:noAutofit/>
+          </a:bodyPr>
+          <a:lstStyle>
+            <a:lvl1pPr marL="0" indent="0" algn="l" defTabSz="401079" rtl="0" eaLnBrk="1" latinLnBrk="0" hangingPunct="1">
+              <a:lnSpc>
+                <a:spcPct val="90000"/>
+              </a:lnSpc>
+              <a:spcBef>
+                <a:spcPts val="585"/>
+              </a:spcBef>
+              <a:buFont typeface="Arial" panose="020B0604020202020204" pitchFamily="34" charset="0"/>
+              <a:buNone/>
+              <a:defRPr lang="en-US" sz="900" kern="1200" dirty="0">
+                <a:solidFill>
+                  <a:schemeClr val="accent1"/>
+                </a:solidFill>
+                <a:latin typeface="Lato Light" panose="020F0502020204030203" pitchFamily="34" charset="0"/>
+                <a:ea typeface="Lato Light" panose="020F0502020204030203" pitchFamily="34" charset="0"/>
+                <a:cs typeface="Lato Light" panose="020F0502020204030203" pitchFamily="34" charset="0"/>
+              </a:defRPr>
+            </a:lvl1pPr>
+            <a:lvl2pPr>
+              <a:defRPr>
+                <a:solidFill>
+                  <a:schemeClr val="bg1">
+                    <a:lumMod val="50000"/>
+                  </a:schemeClr>
+                </a:solidFill>
+              </a:defRPr>
+            </a:lvl2pPr>
+            <a:lvl3pPr>
+              <a:defRPr>
+                <a:solidFill>
+                  <a:schemeClr val="bg1">
+                    <a:lumMod val="50000"/>
+                  </a:schemeClr>
+                </a:solidFill>
+              </a:defRPr>
+            </a:lvl3pPr>
+            <a:lvl4pPr>
+              <a:defRPr>
+                <a:solidFill>
+                  <a:schemeClr val="bg1">
+                    <a:lumMod val="50000"/>
+                  </a:schemeClr>
+                </a:solidFill>
+              </a:defRPr>
+            </a:lvl4pPr>
+            <a:lvl5pPr marL="802226" indent="0" algn="l">
+              <a:buNone/>
+              <a:defRPr>
+                <a:solidFill>
+                  <a:schemeClr val="bg1">
+                    <a:lumMod val="50000"/>
+                  </a:schemeClr>
+                </a:solidFill>
+              </a:defRPr>
+            </a:lvl5pPr>
+            <a:lvl6pPr marL="1002784" indent="0">
+              <a:buNone/>
+              <a:defRPr/>
+            </a:lvl6pPr>
+            <a:lvl7pPr marL="1203340" indent="0">
+              <a:buNone/>
+              <a:defRPr/>
+            </a:lvl7pPr>
+            <a:lvl8pPr marL="1403897" indent="0">
+              <a:buNone/>
+              <a:defRPr/>
+            </a:lvl8pPr>
+            <a:lvl9pPr marL="1604454" indent="0">
+              <a:buNone/>
+              <a:defRPr/>
+            </a:lvl9pPr>
+          </a:lstStyle>
+          <a:p>
+            <a:pPr marL="0" lvl="0" indent="0" algn="l" defTabSz="401113" rtl="0" eaLnBrk="1" latinLnBrk="0" hangingPunct="1">
+              <a:lnSpc>
+                <a:spcPct val="70000"/>
+              </a:lnSpc>
+              <a:spcBef>
+                <a:spcPts val="439"/>
+              </a:spcBef>
+              <a:buFont typeface="Arial" panose="020B0604020202020204" pitchFamily="34" charset="0"/>
+              <a:buNone/>
+            </a:pPr>
+            <a:r>
+              <a:rPr lang="en-US" dirty="0"/>
+              <a:t>Click to edit Master text styles level</a:t>
+            </a:r>
+          </a:p>
+        </p:txBody>
+      </p:sp>
+      <p:sp>
+        <p:nvSpPr>
+          <p:cNvPr id="41" name="Rounded Rectangle 19">
+            <a:extLst>
+              <a:ext uri="{FF2B5EF4-FFF2-40B4-BE49-F238E27FC236}">
+                <a16:creationId xmlns:a16="http://schemas.microsoft.com/office/drawing/2014/main" id="{E8392E3B-3DC2-447F-AC87-389F636A83C0}"/>
+              </a:ext>
+            </a:extLst>
+          </p:cNvPr>
+          <p:cNvSpPr/>
+          <p:nvPr userDrawn="1"/>
+        </p:nvSpPr>
+        <p:spPr>
+          <a:xfrm>
+            <a:off x="4953000" y="1460027"/>
+            <a:ext cx="4546520" cy="2556425"/>
+          </a:xfrm>
+          <a:prstGeom prst="roundRect">
+            <a:avLst>
+              <a:gd name="adj" fmla="val 1585"/>
+            </a:avLst>
+          </a:prstGeom>
+          <a:solidFill>
+            <a:schemeClr val="bg1"/>
+          </a:solidFill>
+          <a:ln w="6350">
+            <a:solidFill>
+              <a:schemeClr val="bg1">
+                <a:lumMod val="85000"/>
+              </a:schemeClr>
+            </a:solidFill>
+          </a:ln>
+        </p:spPr>
+        <p:style>
+          <a:lnRef idx="2">
+            <a:schemeClr val="dk1"/>
+          </a:lnRef>
+          <a:fillRef idx="1">
+            <a:schemeClr val="lt1"/>
+          </a:fillRef>
+          <a:effectRef idx="0">
+            <a:schemeClr val="dk1"/>
+          </a:effectRef>
+          <a:fontRef idx="minor">
+            <a:schemeClr val="dk1"/>
+          </a:fontRef>
+        </p:style>
+        <p:txBody>
+          <a:bodyPr lIns="95088" tIns="47544" rIns="95088" bIns="47544" rtlCol="0" anchor="ctr"/>
+          <a:lstStyle/>
+          <a:p>
+            <a:pPr algn="ctr" defTabSz="534818"/>
+            <a:endParaRPr lang="en-US" sz="2800" dirty="0">
+              <a:solidFill>
+                <a:srgbClr val="FFFFFF"/>
+              </a:solidFill>
+              <a:latin typeface="Lato" panose="020F0502020204030203" pitchFamily="34" charset="0"/>
+            </a:endParaRPr>
+          </a:p>
+        </p:txBody>
+      </p:sp>
+      <p:sp>
+        <p:nvSpPr>
+          <p:cNvPr id="42" name="Text Placeholder 27">
+            <a:extLst>
+              <a:ext uri="{FF2B5EF4-FFF2-40B4-BE49-F238E27FC236}">
+                <a16:creationId xmlns:a16="http://schemas.microsoft.com/office/drawing/2014/main" id="{9AECB16D-163C-48E6-9AF9-A00C8D015B05}"/>
+              </a:ext>
+            </a:extLst>
+          </p:cNvPr>
+          <p:cNvSpPr>
+            <a:spLocks noGrp="1"/>
+          </p:cNvSpPr>
+          <p:nvPr>
+            <p:ph type="body" sz="quarter" idx="41" hasCustomPrompt="1"/>
+          </p:nvPr>
+        </p:nvSpPr>
+        <p:spPr>
+          <a:xfrm>
+            <a:off x="4953000" y="2908722"/>
+            <a:ext cx="4546520" cy="176921"/>
+          </a:xfrm>
+          <a:prstGeom prst="rect">
+            <a:avLst/>
+          </a:prstGeom>
+        </p:spPr>
+        <p:txBody>
+          <a:bodyPr vert="horz"/>
+          <a:lstStyle>
+            <a:lvl1pPr marL="0" indent="0" algn="ctr">
+              <a:buNone/>
+              <a:defRPr sz="900" baseline="0">
+                <a:solidFill>
+                  <a:schemeClr val="tx2"/>
+                </a:solidFill>
+                <a:latin typeface="Lato Regular" panose="020F0502020204030203" pitchFamily="34" charset="0"/>
+                <a:ea typeface="Lato Regular" panose="020F0502020204030203" pitchFamily="34" charset="0"/>
+                <a:cs typeface="Lato Regular" panose="020F0502020204030203" pitchFamily="34" charset="0"/>
+              </a:defRPr>
+            </a:lvl1pPr>
+          </a:lstStyle>
+          <a:p>
+            <a:pPr lvl="0"/>
+            <a:r>
+              <a:rPr lang="en-US" dirty="0"/>
+              <a:t>Name 1</a:t>
+            </a:r>
+          </a:p>
+        </p:txBody>
+      </p:sp>
+      <p:sp>
+        <p:nvSpPr>
+          <p:cNvPr id="43" name="Text Placeholder 27">
+            <a:extLst>
+              <a:ext uri="{FF2B5EF4-FFF2-40B4-BE49-F238E27FC236}">
+                <a16:creationId xmlns:a16="http://schemas.microsoft.com/office/drawing/2014/main" id="{5D70E7D3-61CE-4F8C-A7C6-68288E33DC07}"/>
+              </a:ext>
+            </a:extLst>
+          </p:cNvPr>
+          <p:cNvSpPr>
+            <a:spLocks noGrp="1"/>
+          </p:cNvSpPr>
+          <p:nvPr>
+            <p:ph type="body" sz="quarter" idx="42" hasCustomPrompt="1"/>
+          </p:nvPr>
+        </p:nvSpPr>
+        <p:spPr>
+          <a:xfrm>
+            <a:off x="4953000" y="3118782"/>
+            <a:ext cx="4546520" cy="152467"/>
+          </a:xfrm>
+          <a:prstGeom prst="rect">
+            <a:avLst/>
+          </a:prstGeom>
+        </p:spPr>
+        <p:txBody>
+          <a:bodyPr vert="horz">
+            <a:noAutofit/>
+          </a:bodyPr>
+          <a:lstStyle>
+            <a:lvl1pPr marL="0" indent="0" algn="ctr" defTabSz="534818" rtl="0" eaLnBrk="1" latinLnBrk="0" hangingPunct="1">
+              <a:lnSpc>
+                <a:spcPct val="90000"/>
+              </a:lnSpc>
+              <a:spcBef>
+                <a:spcPts val="585"/>
+              </a:spcBef>
+              <a:buFont typeface="Arial" panose="020B0604020202020204" pitchFamily="34" charset="0"/>
+              <a:buNone/>
+              <a:defRPr lang="ko-KR" altLang="en-US" sz="600" b="1" kern="1200" dirty="0">
+                <a:solidFill>
+                  <a:schemeClr val="tx2"/>
+                </a:solidFill>
+                <a:latin typeface="Lato" panose="020F0502020204030203" pitchFamily="34" charset="0"/>
+                <a:ea typeface="Lato" panose="020F0502020204030203" pitchFamily="34" charset="0"/>
+                <a:cs typeface="Lato" panose="020F0502020204030203" pitchFamily="34" charset="0"/>
+              </a:defRPr>
+            </a:lvl1pPr>
+          </a:lstStyle>
+          <a:p>
+            <a:pPr lvl="0"/>
+            <a:r>
+              <a:rPr lang="en-US" altLang="ko-KR" dirty="0"/>
+              <a:t>Responsibility 1</a:t>
+            </a:r>
+            <a:endParaRPr lang="ko-KR" altLang="en-US" dirty="0"/>
+          </a:p>
+        </p:txBody>
+      </p:sp>
+      <p:sp>
+        <p:nvSpPr>
+          <p:cNvPr id="44" name="Picture Placeholder 2">
+            <a:extLst>
+              <a:ext uri="{FF2B5EF4-FFF2-40B4-BE49-F238E27FC236}">
+                <a16:creationId xmlns:a16="http://schemas.microsoft.com/office/drawing/2014/main" id="{8982D7DD-F0EA-418F-8CE8-04CB65831945}"/>
+              </a:ext>
+            </a:extLst>
+          </p:cNvPr>
+          <p:cNvSpPr>
+            <a:spLocks noGrp="1"/>
+          </p:cNvSpPr>
+          <p:nvPr>
+            <p:ph type="pic" sz="quarter" idx="43"/>
+          </p:nvPr>
+        </p:nvSpPr>
+        <p:spPr>
+          <a:xfrm>
+            <a:off x="5025167" y="1552121"/>
+            <a:ext cx="3956672" cy="1275612"/>
+          </a:xfrm>
+          <a:prstGeom prst="rect">
+            <a:avLst/>
+          </a:prstGeom>
+        </p:spPr>
+        <p:txBody>
+          <a:bodyPr anchor="ctr"/>
+          <a:lstStyle>
+            <a:lvl1pPr marL="0" indent="0" algn="ctr">
+              <a:lnSpc>
+                <a:spcPct val="100000"/>
+              </a:lnSpc>
+              <a:buNone/>
+              <a:defRPr sz="700">
+                <a:solidFill>
+                  <a:schemeClr val="bg2"/>
+                </a:solidFill>
+                <a:latin typeface="Lato Regular" panose="020F0502020204030203" pitchFamily="34" charset="0"/>
+                <a:ea typeface="Lato Regular" panose="020F0502020204030203" pitchFamily="34" charset="0"/>
+              </a:defRPr>
+            </a:lvl1pPr>
+          </a:lstStyle>
+          <a:p>
+            <a:endParaRPr lang="en-US" dirty="0"/>
+          </a:p>
+        </p:txBody>
+      </p:sp>
+    </p:spTree>
+    <p:extLst>
+      <p:ext uri="{BB962C8B-B14F-4D97-AF65-F5344CB8AC3E}">
+        <p14:creationId xmlns:p14="http://schemas.microsoft.com/office/powerpoint/2010/main" val="4156762776"/>
+      </p:ext>
+    </p:extLst>
+  </p:cSld>
+  <p:clrMapOvr>
+    <a:masterClrMapping/>
+  </p:clrMapOvr>
+</p:sldLayout>
+</file>
+
 <file path=ppt/slideLayouts/slideLayout2.xml><?xml version="1.0" encoding="utf-8"?>
 <p:sldLayout xmlns:a="http://schemas.openxmlformats.org/drawingml/2006/main" xmlns:r="http://schemas.openxmlformats.org/officeDocument/2006/relationships" xmlns:p="http://schemas.openxmlformats.org/presentationml/2006/main" type="obj" preserve="1">
   <p:cSld name="Title and Content">
@@ -5239,6 +6042,7 @@
     <p:sldLayoutId id="2147483671" r:id="rId10"/>
     <p:sldLayoutId id="2147483672" r:id="rId11"/>
     <p:sldLayoutId id="2147483673" r:id="rId12"/>
+    <p:sldLayoutId id="2147483674" r:id="rId13"/>
   </p:sldLayoutIdLst>
   <p:txStyles>
     <p:titleStyle>
@@ -5524,7 +6328,7 @@
 </file>
 
 <file path=ppt/slides/slide1.xml><?xml version="1.0" encoding="utf-8"?>
-<p:sld xmlns:a="http://schemas.openxmlformats.org/drawingml/2006/main" xmlns:r="http://schemas.openxmlformats.org/officeDocument/2006/relationships" xmlns:p="http://schemas.openxmlformats.org/presentationml/2006/main">
+<p:sld xmlns:a="http://schemas.openxmlformats.org/drawingml/2006/main" xmlns:r="http://schemas.openxmlformats.org/officeDocument/2006/relationships" xmlns:p="http://schemas.openxmlformats.org/presentationml/2006/main" show="0">
   <p:cSld>
     <p:spTree>
       <p:nvGrpSpPr>
@@ -17836,13 +18640,13 @@
   <p:clrMapOvr>
     <a:masterClrMapping/>
   </p:clrMapOvr>
-  <mc:AlternateContent xmlns:mc="http://schemas.openxmlformats.org/markup-compatibility/2006" xmlns:p14="http://schemas.microsoft.com/office/powerpoint/2010/main">
-    <mc:Choice Requires="p14">
+  <mc:AlternateContent xmlns:mc="http://schemas.openxmlformats.org/markup-compatibility/2006">
+    <mc:Choice xmlns:p14="http://schemas.microsoft.com/office/powerpoint/2010/main" Requires="p14">
       <p:transition spd="slow" p14:dur="1100">
         <p14:switch dir="r"/>
       </p:transition>
     </mc:Choice>
-    <mc:Fallback xmlns="">
+    <mc:Fallback>
       <p:transition spd="slow">
         <p:fade/>
       </p:transition>
@@ -18047,7 +18851,7 @@
 </file>
 
 <file path=ppt/slides/slide2.xml><?xml version="1.0" encoding="utf-8"?>
-<p:sld xmlns:a="http://schemas.openxmlformats.org/drawingml/2006/main" xmlns:r="http://schemas.openxmlformats.org/officeDocument/2006/relationships" xmlns:p="http://schemas.openxmlformats.org/presentationml/2006/main">
+<p:sld xmlns:a="http://schemas.openxmlformats.org/drawingml/2006/main" xmlns:r="http://schemas.openxmlformats.org/officeDocument/2006/relationships" xmlns:p="http://schemas.openxmlformats.org/presentationml/2006/main" show="0">
   <p:cSld>
     <p:spTree>
       <p:nvGrpSpPr>
@@ -27625,6 +28429,406 @@
 </p:sld>
 </file>
 
+<file path=ppt/slides/slide3.xml><?xml version="1.0" encoding="utf-8"?>
+<p:sld xmlns:a="http://schemas.openxmlformats.org/drawingml/2006/main" xmlns:r="http://schemas.openxmlformats.org/officeDocument/2006/relationships" xmlns:p="http://schemas.openxmlformats.org/presentationml/2006/main">
+  <p:cSld>
+    <p:spTree>
+      <p:nvGrpSpPr>
+        <p:cNvPr id="1" name=""/>
+        <p:cNvGrpSpPr/>
+        <p:nvPr/>
+      </p:nvGrpSpPr>
+      <p:grpSpPr>
+        <a:xfrm>
+          <a:off x="0" y="0"/>
+          <a:ext cx="0" cy="0"/>
+          <a:chOff x="0" y="0"/>
+          <a:chExt cx="0" cy="0"/>
+        </a:xfrm>
+      </p:grpSpPr>
+      <p:sp>
+        <p:nvSpPr>
+          <p:cNvPr id="2" name="Text Placeholder 1">
+            <a:extLst>
+              <a:ext uri="{FF2B5EF4-FFF2-40B4-BE49-F238E27FC236}">
+                <a16:creationId xmlns:a16="http://schemas.microsoft.com/office/drawing/2014/main" id="{03FF160C-5DBB-4B32-A3C7-05703A21776C}"/>
+              </a:ext>
+            </a:extLst>
+          </p:cNvPr>
+          <p:cNvSpPr>
+            <a:spLocks noGrp="1"/>
+          </p:cNvSpPr>
+          <p:nvPr>
+            <p:ph type="body" sz="quarter" idx="11"/>
+          </p:nvPr>
+        </p:nvSpPr>
+        <p:spPr>
+          <a:xfrm>
+            <a:off x="406480" y="2905994"/>
+            <a:ext cx="4546520" cy="176921"/>
+          </a:xfrm>
+        </p:spPr>
+        <p:txBody>
+          <a:bodyPr>
+            <a:noAutofit/>
+          </a:bodyPr>
+          <a:lstStyle/>
+          <a:p>
+            <a:r>
+              <a:rPr lang="en-US" dirty="0"/>
+              <a:t>ANU</a:t>
+            </a:r>
+          </a:p>
+        </p:txBody>
+      </p:sp>
+      <p:sp>
+        <p:nvSpPr>
+          <p:cNvPr id="8" name="Text Placeholder 7">
+            <a:extLst>
+              <a:ext uri="{FF2B5EF4-FFF2-40B4-BE49-F238E27FC236}">
+                <a16:creationId xmlns:a16="http://schemas.microsoft.com/office/drawing/2014/main" id="{D4BA604F-BFB8-4314-A724-54B1E55620B3}"/>
+              </a:ext>
+            </a:extLst>
+          </p:cNvPr>
+          <p:cNvSpPr>
+            <a:spLocks noGrp="1"/>
+          </p:cNvSpPr>
+          <p:nvPr>
+            <p:ph type="body" sz="quarter" idx="12"/>
+          </p:nvPr>
+        </p:nvSpPr>
+        <p:spPr>
+          <a:xfrm>
+            <a:off x="406480" y="3116054"/>
+            <a:ext cx="4546520" cy="152467"/>
+          </a:xfrm>
+        </p:spPr>
+        <p:txBody>
+          <a:bodyPr>
+            <a:noAutofit/>
+          </a:bodyPr>
+          <a:lstStyle/>
+          <a:p>
+            <a:r>
+              <a:rPr lang="en-US" dirty="0"/>
+              <a:t>Project Team</a:t>
+            </a:r>
+          </a:p>
+        </p:txBody>
+      </p:sp>
+      <p:sp>
+        <p:nvSpPr>
+          <p:cNvPr id="5" name="Title 4">
+            <a:extLst>
+              <a:ext uri="{FF2B5EF4-FFF2-40B4-BE49-F238E27FC236}">
+                <a16:creationId xmlns:a16="http://schemas.microsoft.com/office/drawing/2014/main" id="{6AE99624-0D94-4B45-9C71-D24177F9389D}"/>
+              </a:ext>
+            </a:extLst>
+          </p:cNvPr>
+          <p:cNvSpPr>
+            <a:spLocks noGrp="1"/>
+          </p:cNvSpPr>
+          <p:nvPr>
+            <p:ph type="title"/>
+          </p:nvPr>
+        </p:nvSpPr>
+        <p:spPr/>
+        <p:txBody>
+          <a:bodyPr/>
+          <a:lstStyle/>
+          <a:p>
+            <a:r>
+              <a:rPr lang="en-US" dirty="0"/>
+              <a:t>Key Stakeholders</a:t>
+            </a:r>
+          </a:p>
+        </p:txBody>
+      </p:sp>
+      <p:sp>
+        <p:nvSpPr>
+          <p:cNvPr id="6" name="Text Placeholder 5">
+            <a:extLst>
+              <a:ext uri="{FF2B5EF4-FFF2-40B4-BE49-F238E27FC236}">
+                <a16:creationId xmlns:a16="http://schemas.microsoft.com/office/drawing/2014/main" id="{2F777CA7-AC0B-4093-9FEC-98B1B75B8DD8}"/>
+              </a:ext>
+            </a:extLst>
+          </p:cNvPr>
+          <p:cNvSpPr>
+            <a:spLocks noGrp="1"/>
+          </p:cNvSpPr>
+          <p:nvPr>
+            <p:ph type="body" sz="quarter" idx="10"/>
+          </p:nvPr>
+        </p:nvSpPr>
+        <p:spPr/>
+        <p:txBody>
+          <a:bodyPr/>
+          <a:lstStyle/>
+          <a:p>
+            <a:r>
+              <a:rPr lang="en-US" dirty="0"/>
+              <a:t>AI Course Selection</a:t>
+            </a:r>
+          </a:p>
+        </p:txBody>
+      </p:sp>
+      <p:sp>
+        <p:nvSpPr>
+          <p:cNvPr id="9" name="Text Placeholder 8">
+            <a:extLst>
+              <a:ext uri="{FF2B5EF4-FFF2-40B4-BE49-F238E27FC236}">
+                <a16:creationId xmlns:a16="http://schemas.microsoft.com/office/drawing/2014/main" id="{7E5C09E4-75E8-4B97-AB65-90101BB202EB}"/>
+              </a:ext>
+            </a:extLst>
+          </p:cNvPr>
+          <p:cNvSpPr>
+            <a:spLocks noGrp="1"/>
+          </p:cNvSpPr>
+          <p:nvPr>
+            <p:ph type="body" sz="quarter" idx="40"/>
+          </p:nvPr>
+        </p:nvSpPr>
+        <p:spPr/>
+        <p:txBody>
+          <a:bodyPr>
+            <a:normAutofit/>
+          </a:bodyPr>
+          <a:lstStyle/>
+          <a:p>
+            <a:endParaRPr lang="en-US" dirty="0"/>
+          </a:p>
+        </p:txBody>
+      </p:sp>
+      <p:sp>
+        <p:nvSpPr>
+          <p:cNvPr id="35" name="Text Placeholder 34">
+            <a:extLst>
+              <a:ext uri="{FF2B5EF4-FFF2-40B4-BE49-F238E27FC236}">
+                <a16:creationId xmlns:a16="http://schemas.microsoft.com/office/drawing/2014/main" id="{A93CB158-29FD-4DC1-B421-AD090EF79A71}"/>
+              </a:ext>
+            </a:extLst>
+          </p:cNvPr>
+          <p:cNvSpPr>
+            <a:spLocks noGrp="1"/>
+          </p:cNvSpPr>
+          <p:nvPr>
+            <p:ph type="body" sz="quarter" idx="41"/>
+          </p:nvPr>
+        </p:nvSpPr>
+        <p:spPr/>
+        <p:txBody>
+          <a:bodyPr>
+            <a:noAutofit/>
+          </a:bodyPr>
+          <a:lstStyle/>
+          <a:p>
+            <a:r>
+              <a:rPr lang="en-US" dirty="0"/>
+              <a:t>Accenture</a:t>
+            </a:r>
+          </a:p>
+        </p:txBody>
+      </p:sp>
+      <p:sp>
+        <p:nvSpPr>
+          <p:cNvPr id="36" name="Text Placeholder 35">
+            <a:extLst>
+              <a:ext uri="{FF2B5EF4-FFF2-40B4-BE49-F238E27FC236}">
+                <a16:creationId xmlns:a16="http://schemas.microsoft.com/office/drawing/2014/main" id="{FF3F34C0-EC02-4E03-BDEA-8843DEA92601}"/>
+              </a:ext>
+            </a:extLst>
+          </p:cNvPr>
+          <p:cNvSpPr>
+            <a:spLocks noGrp="1"/>
+          </p:cNvSpPr>
+          <p:nvPr>
+            <p:ph type="body" sz="quarter" idx="42"/>
+          </p:nvPr>
+        </p:nvSpPr>
+        <p:spPr>
+          <a:xfrm>
+            <a:off x="4953000" y="3118782"/>
+            <a:ext cx="4546520" cy="152467"/>
+          </a:xfrm>
+        </p:spPr>
+        <p:txBody>
+          <a:bodyPr/>
+          <a:lstStyle/>
+          <a:p>
+            <a:r>
+              <a:rPr lang="en-US" dirty="0"/>
+              <a:t>Project Client</a:t>
+            </a:r>
+          </a:p>
+        </p:txBody>
+      </p:sp>
+      <p:pic>
+        <p:nvPicPr>
+          <p:cNvPr id="42" name="Picture Placeholder 41">
+            <a:extLst>
+              <a:ext uri="{FF2B5EF4-FFF2-40B4-BE49-F238E27FC236}">
+                <a16:creationId xmlns:a16="http://schemas.microsoft.com/office/drawing/2014/main" id="{5B519179-E294-4EAB-8EF4-90CF3DFCA57E}"/>
+              </a:ext>
+            </a:extLst>
+          </p:cNvPr>
+          <p:cNvPicPr>
+            <a:picLocks noGrp="1" noChangeAspect="1"/>
+          </p:cNvPicPr>
+          <p:nvPr>
+            <p:ph type="pic" sz="quarter" idx="27"/>
+          </p:nvPr>
+        </p:nvPicPr>
+        <p:blipFill>
+          <a:blip r:embed="rId3">
+            <a:extLst>
+              <a:ext uri="{28A0092B-C50C-407E-A947-70E740481C1C}">
+                <a14:useLocalDpi xmlns:a14="http://schemas.microsoft.com/office/drawing/2010/main" val="0"/>
+              </a:ext>
+            </a:extLst>
+          </a:blip>
+          <a:srcRect t="2874" b="2874"/>
+          <a:stretch>
+            <a:fillRect/>
+          </a:stretch>
+        </p:blipFill>
+        <p:spPr/>
+      </p:pic>
+      <p:pic>
+        <p:nvPicPr>
+          <p:cNvPr id="52" name="Picture Placeholder 51">
+            <a:extLst>
+              <a:ext uri="{FF2B5EF4-FFF2-40B4-BE49-F238E27FC236}">
+                <a16:creationId xmlns:a16="http://schemas.microsoft.com/office/drawing/2014/main" id="{39C72DE3-8914-419A-9FD5-6A0024268391}"/>
+              </a:ext>
+            </a:extLst>
+          </p:cNvPr>
+          <p:cNvPicPr>
+            <a:picLocks noGrp="1" noChangeAspect="1"/>
+          </p:cNvPicPr>
+          <p:nvPr>
+            <p:ph type="pic" sz="quarter" idx="43"/>
+          </p:nvPr>
+        </p:nvPicPr>
+        <p:blipFill rotWithShape="1">
+          <a:blip r:embed="rId4" cstate="print">
+            <a:extLst>
+              <a:ext uri="{28A0092B-C50C-407E-A947-70E740481C1C}">
+                <a14:useLocalDpi xmlns:a14="http://schemas.microsoft.com/office/drawing/2010/main" val="0"/>
+              </a:ext>
+            </a:extLst>
+          </a:blip>
+          <a:srcRect t="2955" b="4955"/>
+          <a:stretch/>
+        </p:blipFill>
+        <p:spPr>
+          <a:xfrm>
+            <a:off x="5769378" y="1515713"/>
+            <a:ext cx="2913763" cy="1227167"/>
+          </a:xfrm>
+          <a:prstGeom prst="rect">
+            <a:avLst/>
+          </a:prstGeom>
+        </p:spPr>
+      </p:pic>
+      <p:sp>
+        <p:nvSpPr>
+          <p:cNvPr id="53" name="TextBox 52">
+            <a:extLst>
+              <a:ext uri="{FF2B5EF4-FFF2-40B4-BE49-F238E27FC236}">
+                <a16:creationId xmlns:a16="http://schemas.microsoft.com/office/drawing/2014/main" id="{7F95ED22-67CC-4B65-921F-F4A27F5F89BA}"/>
+              </a:ext>
+            </a:extLst>
+          </p:cNvPr>
+          <p:cNvSpPr txBox="1"/>
+          <p:nvPr/>
+        </p:nvSpPr>
+        <p:spPr>
+          <a:xfrm>
+            <a:off x="406481" y="3291490"/>
+            <a:ext cx="4546519" cy="146341"/>
+          </a:xfrm>
+          <a:prstGeom prst="rect">
+            <a:avLst/>
+          </a:prstGeom>
+          <a:noFill/>
+        </p:spPr>
+        <p:txBody>
+          <a:bodyPr wrap="square" lIns="53486" tIns="26743" rIns="53486" bIns="26743" rtlCol="0">
+            <a:spAutoFit/>
+          </a:bodyPr>
+          <a:lstStyle/>
+          <a:p>
+            <a:pPr algn="ctr" defTabSz="534818"/>
+            <a:r>
+              <a:rPr lang="en-US" sz="600" dirty="0">
+                <a:solidFill>
+                  <a:schemeClr val="tx2"/>
+                </a:solidFill>
+                <a:latin typeface="Lato" panose="020F0502020204030203" pitchFamily="34" charset="0"/>
+                <a:ea typeface="Lato" panose="020F0502020204030203" pitchFamily="34" charset="0"/>
+                <a:cs typeface="Lato" panose="020F0502020204030203" pitchFamily="34" charset="0"/>
+              </a:rPr>
+              <a:t>Contributes to the deliverables for the project; Performs tasks to meet all stakeholder expectations.</a:t>
+            </a:r>
+          </a:p>
+        </p:txBody>
+      </p:sp>
+      <p:sp>
+        <p:nvSpPr>
+          <p:cNvPr id="54" name="TextBox 53">
+            <a:extLst>
+              <a:ext uri="{FF2B5EF4-FFF2-40B4-BE49-F238E27FC236}">
+                <a16:creationId xmlns:a16="http://schemas.microsoft.com/office/drawing/2014/main" id="{BB604342-4E10-474C-B557-51AC6C009320}"/>
+              </a:ext>
+            </a:extLst>
+          </p:cNvPr>
+          <p:cNvSpPr txBox="1"/>
+          <p:nvPr/>
+        </p:nvSpPr>
+        <p:spPr>
+          <a:xfrm>
+            <a:off x="4953000" y="3298932"/>
+            <a:ext cx="4546519" cy="238674"/>
+          </a:xfrm>
+          <a:prstGeom prst="rect">
+            <a:avLst/>
+          </a:prstGeom>
+          <a:noFill/>
+        </p:spPr>
+        <p:txBody>
+          <a:bodyPr wrap="square" lIns="53486" tIns="26743" rIns="53486" bIns="26743" rtlCol="0">
+            <a:spAutoFit/>
+          </a:bodyPr>
+          <a:lstStyle/>
+          <a:p>
+            <a:pPr algn="ctr" defTabSz="534818"/>
+            <a:r>
+              <a:rPr lang="en-US" sz="600" dirty="0">
+                <a:solidFill>
+                  <a:schemeClr val="tx2"/>
+                </a:solidFill>
+                <a:latin typeface="Lato" panose="020F0502020204030203" pitchFamily="34" charset="0"/>
+                <a:ea typeface="Lato" panose="020F0502020204030203" pitchFamily="34" charset="0"/>
+                <a:cs typeface="Lato" panose="020F0502020204030203" pitchFamily="34" charset="0"/>
+              </a:rPr>
+              <a:t>Has a major stake in the outcome of the project; Shows active interest throughout the development cycle; Oversees the project and provides guidance, authority over the project.</a:t>
+            </a:r>
+          </a:p>
+        </p:txBody>
+      </p:sp>
+    </p:spTree>
+    <p:extLst>
+      <p:ext uri="{BB962C8B-B14F-4D97-AF65-F5344CB8AC3E}">
+        <p14:creationId xmlns:p14="http://schemas.microsoft.com/office/powerpoint/2010/main" val="2159602899"/>
+      </p:ext>
+    </p:extLst>
+  </p:cSld>
+  <p:clrMapOvr>
+    <a:masterClrMapping/>
+  </p:clrMapOvr>
+</p:sld>
+</file>
+
 <file path=ppt/theme/theme1.xml><?xml version="1.0" encoding="utf-8"?>
 <a:theme xmlns:a="http://schemas.openxmlformats.org/drawingml/2006/main" name="Office Theme">
   <a:themeElements>

--- a/Meet Our Team - Org Chart.pptx
+++ b/Meet Our Team - Org Chart.pptx
@@ -6328,7 +6328,7 @@
 </file>
 
 <file path=ppt/slides/slide1.xml><?xml version="1.0" encoding="utf-8"?>
-<p:sld xmlns:a="http://schemas.openxmlformats.org/drawingml/2006/main" xmlns:r="http://schemas.openxmlformats.org/officeDocument/2006/relationships" xmlns:p="http://schemas.openxmlformats.org/presentationml/2006/main" show="0">
+<p:sld xmlns:a="http://schemas.openxmlformats.org/drawingml/2006/main" xmlns:r="http://schemas.openxmlformats.org/officeDocument/2006/relationships" xmlns:p="http://schemas.openxmlformats.org/presentationml/2006/main">
   <p:cSld>
     <p:spTree>
       <p:nvGrpSpPr>
@@ -18851,7 +18851,7 @@
 </file>
 
 <file path=ppt/slides/slide2.xml><?xml version="1.0" encoding="utf-8"?>
-<p:sld xmlns:a="http://schemas.openxmlformats.org/drawingml/2006/main" xmlns:r="http://schemas.openxmlformats.org/officeDocument/2006/relationships" xmlns:p="http://schemas.openxmlformats.org/presentationml/2006/main" show="0">
+<p:sld xmlns:a="http://schemas.openxmlformats.org/drawingml/2006/main" xmlns:r="http://schemas.openxmlformats.org/officeDocument/2006/relationships" xmlns:p="http://schemas.openxmlformats.org/presentationml/2006/main">
   <p:cSld>
     <p:spTree>
       <p:nvGrpSpPr>
@@ -28430,7 +28430,7 @@
 </file>
 
 <file path=ppt/slides/slide3.xml><?xml version="1.0" encoding="utf-8"?>
-<p:sld xmlns:a="http://schemas.openxmlformats.org/drawingml/2006/main" xmlns:r="http://schemas.openxmlformats.org/officeDocument/2006/relationships" xmlns:p="http://schemas.openxmlformats.org/presentationml/2006/main">
+<p:sld xmlns:a="http://schemas.openxmlformats.org/drawingml/2006/main" xmlns:r="http://schemas.openxmlformats.org/officeDocument/2006/relationships" xmlns:p="http://schemas.openxmlformats.org/presentationml/2006/main" show="0">
   <p:cSld>
     <p:spTree>
       <p:nvGrpSpPr>
